--- a/slides/bd101/D6_machine_learning.pptx
+++ b/slides/bd101/D6_machine_learning.pptx
@@ -6,12 +6,15 @@
   </p:sldMasterIdLst>
   <p:sldIdLst>
     <p:sldId id="256" r:id="rId2"/>
-    <p:sldId id="259" r:id="rId3"/>
+    <p:sldId id="265" r:id="rId3"/>
     <p:sldId id="260" r:id="rId4"/>
-    <p:sldId id="261" r:id="rId5"/>
-    <p:sldId id="262" r:id="rId6"/>
-    <p:sldId id="257" r:id="rId7"/>
-    <p:sldId id="258" r:id="rId8"/>
+    <p:sldId id="264" r:id="rId5"/>
+    <p:sldId id="263" r:id="rId6"/>
+    <p:sldId id="261" r:id="rId7"/>
+    <p:sldId id="266" r:id="rId8"/>
+    <p:sldId id="267" r:id="rId9"/>
+    <p:sldId id="268" r:id="rId10"/>
+    <p:sldId id="269" r:id="rId11"/>
   </p:sldIdLst>
   <p:sldSz cx="9144000" cy="6858000" type="screen4x3"/>
   <p:notesSz cx="6858000" cy="9144000"/>
@@ -3167,6 +3170,141 @@
 </p:sld>
 </file>
 
+<file path=ppt/slides/slide10.xml><?xml version="1.0" encoding="utf-8"?>
+<p:sld xmlns:a="http://schemas.openxmlformats.org/drawingml/2006/main" xmlns:r="http://schemas.openxmlformats.org/officeDocument/2006/relationships" xmlns:p="http://schemas.openxmlformats.org/presentationml/2006/main">
+  <p:cSld>
+    <p:spTree>
+      <p:nvGrpSpPr>
+        <p:cNvPr id="1" name=""/>
+        <p:cNvGrpSpPr/>
+        <p:nvPr/>
+      </p:nvGrpSpPr>
+      <p:grpSpPr>
+        <a:xfrm>
+          <a:off x="0" y="0"/>
+          <a:ext cx="0" cy="0"/>
+          <a:chOff x="0" y="0"/>
+          <a:chExt cx="0" cy="0"/>
+        </a:xfrm>
+      </p:grpSpPr>
+      <p:sp>
+        <p:nvSpPr>
+          <p:cNvPr id="2" name="Title 1"/>
+          <p:cNvSpPr>
+            <a:spLocks noGrp="1"/>
+          </p:cNvSpPr>
+          <p:nvPr>
+            <p:ph type="title"/>
+          </p:nvPr>
+        </p:nvSpPr>
+        <p:spPr/>
+        <p:txBody>
+          <a:bodyPr>
+            <a:normAutofit/>
+          </a:bodyPr>
+          <a:lstStyle/>
+          <a:p>
+            <a:r>
+              <a:rPr lang="en-US" dirty="0" smtClean="0"/>
+              <a:t>k-means from an EM point of View</a:t>
+            </a:r>
+            <a:endParaRPr lang="en-US" dirty="0"/>
+          </a:p>
+        </p:txBody>
+      </p:sp>
+      <p:sp>
+        <p:nvSpPr>
+          <p:cNvPr id="3" name="Content Placeholder 2"/>
+          <p:cNvSpPr>
+            <a:spLocks noGrp="1"/>
+          </p:cNvSpPr>
+          <p:nvPr>
+            <p:ph idx="1"/>
+          </p:nvPr>
+        </p:nvSpPr>
+        <p:spPr/>
+        <p:txBody>
+          <a:bodyPr>
+            <a:normAutofit fontScale="62500" lnSpcReduction="20000"/>
+          </a:bodyPr>
+          <a:lstStyle/>
+          <a:p>
+            <a:r>
+              <a:rPr lang="en-US" dirty="0" smtClean="0"/>
+              <a:t>Note that if we knew for certain either 1) the exact cluster centers or 2) the cluster each point belonged to, we could trivially solve k-means, since</a:t>
+            </a:r>
+          </a:p>
+          <a:p>
+            <a:endParaRPr lang="en-US" dirty="0" smtClean="0"/>
+          </a:p>
+          <a:p>
+            <a:pPr lvl="1"/>
+            <a:r>
+              <a:rPr lang="en-US" dirty="0" smtClean="0"/>
+              <a:t>If we knew the exact cluster centers, all we’d have to do is assign each point to its nearest cluster center, and we’d be done.</a:t>
+            </a:r>
+          </a:p>
+          <a:p>
+            <a:pPr lvl="1"/>
+            <a:r>
+              <a:rPr lang="en-US" dirty="0" smtClean="0"/>
+              <a:t>If we knew which cluster each point belonged to, we could pick the cluster center by simply taking the mean over all points in that cluster.</a:t>
+            </a:r>
+          </a:p>
+          <a:p>
+            <a:r>
+              <a:rPr lang="en-US" dirty="0" smtClean="0"/>
+              <a:t>The problem is that we know neither of these, and so we alternate between making educated guesses of each one:</a:t>
+            </a:r>
+          </a:p>
+          <a:p>
+            <a:endParaRPr lang="en-US" dirty="0" smtClean="0"/>
+          </a:p>
+          <a:p>
+            <a:pPr lvl="1"/>
+            <a:r>
+              <a:rPr lang="en-US" dirty="0" smtClean="0"/>
+              <a:t>In A step above, we pretend that we know the cluster centers, and based off this pretense, we guess which cluster each point belongs to. (This is also known as the E step in the EM algorithm.)</a:t>
+            </a:r>
+          </a:p>
+          <a:p>
+            <a:pPr lvl="1"/>
+            <a:r>
+              <a:rPr lang="en-US" dirty="0" smtClean="0"/>
+              <a:t>In the B step above, we do the reverse: we pretend that we know which cluster each point belongs to, and then try to guess the cluster centers. (This is also known as the M step in EM.)</a:t>
+            </a:r>
+          </a:p>
+          <a:p>
+            <a:r>
+              <a:rPr lang="en-US" dirty="0" smtClean="0"/>
+              <a:t>Our guesses keep getting better and better, and eventually we’ll converge.</a:t>
+            </a:r>
+          </a:p>
+          <a:p>
+            <a:endParaRPr lang="en-US" dirty="0"/>
+          </a:p>
+        </p:txBody>
+      </p:sp>
+    </p:spTree>
+    <p:extLst>
+      <p:ext uri="{BB962C8B-B14F-4D97-AF65-F5344CB8AC3E}">
+        <p14:creationId xmlns:p14="http://schemas.microsoft.com/office/powerpoint/2010/main" val="900353287"/>
+      </p:ext>
+    </p:extLst>
+  </p:cSld>
+  <p:clrMapOvr>
+    <a:masterClrMapping/>
+  </p:clrMapOvr>
+  <p:timing>
+    <p:tnLst>
+      <p:par>
+        <p:cTn xmlns:p14="http://schemas.microsoft.com/office/powerpoint/2010/main" id="1" dur="indefinite" restart="never" nodeType="tmRoot"/>
+      </p:par>
+    </p:tnLst>
+  </p:timing>
+</p:sld>
+</file>
+
 <file path=ppt/slides/slide2.xml><?xml version="1.0" encoding="utf-8"?>
 <p:sld xmlns:a="http://schemas.openxmlformats.org/drawingml/2006/main" xmlns:r="http://schemas.openxmlformats.org/officeDocument/2006/relationships" xmlns:p="http://schemas.openxmlformats.org/presentationml/2006/main">
   <p:cSld>
@@ -3194,73 +3332,94 @@
             <p:ph type="title"/>
           </p:nvPr>
         </p:nvSpPr>
-        <p:spPr>
-          <a:xfrm>
-            <a:off x="457200" y="3260906"/>
-            <a:ext cx="8229600" cy="1143000"/>
-          </a:xfrm>
-        </p:spPr>
+        <p:spPr/>
+        <p:txBody>
+          <a:bodyPr/>
+          <a:lstStyle/>
+          <a:p>
+            <a:r>
+              <a:rPr lang="en-US" dirty="0" smtClean="0"/>
+              <a:t>Ultimate goal of this course</a:t>
+            </a:r>
+            <a:endParaRPr lang="en-US" dirty="0"/>
+          </a:p>
+        </p:txBody>
+      </p:sp>
+      <p:sp>
+        <p:nvSpPr>
+          <p:cNvPr id="3" name="Content Placeholder 2"/>
+          <p:cNvSpPr>
+            <a:spLocks noGrp="1"/>
+          </p:cNvSpPr>
+          <p:nvPr>
+            <p:ph idx="1"/>
+          </p:nvPr>
+        </p:nvSpPr>
+        <p:spPr/>
         <p:txBody>
           <a:bodyPr>
-            <a:noAutofit/>
+            <a:normAutofit fontScale="92500"/>
           </a:bodyPr>
           <a:lstStyle/>
           <a:p>
             <a:r>
-              <a:rPr lang="en-US" sz="3200" dirty="0" smtClean="0"/>
-              <a:t/>
-            </a:r>
-            <a:br>
-              <a:rPr lang="en-US" sz="3200" dirty="0" smtClean="0"/>
-            </a:br>
-            <a:r>
-              <a:rPr lang="en-US" sz="3200" dirty="0" smtClean="0"/>
-              <a:t/>
-            </a:r>
-            <a:br>
-              <a:rPr lang="en-US" sz="3200" dirty="0" smtClean="0"/>
-            </a:br>
-            <a:r>
-              <a:rPr lang="en-US" sz="3200" dirty="0" smtClean="0"/>
-              <a:t>http://www.r2d3.us/visual-intro-to-machine-learning-part-1/</a:t>
-            </a:r>
-            <a:endParaRPr lang="en-US" sz="3200" dirty="0"/>
-          </a:p>
-        </p:txBody>
-      </p:sp>
-      <p:sp>
-        <p:nvSpPr>
-          <p:cNvPr id="4" name="Rectangle 3"/>
-          <p:cNvSpPr/>
-          <p:nvPr/>
-        </p:nvSpPr>
-        <p:spPr>
-          <a:xfrm>
-            <a:off x="968640" y="2197893"/>
-            <a:ext cx="7367522" cy="584776"/>
-          </a:xfrm>
-          <a:prstGeom prst="rect">
-            <a:avLst/>
-          </a:prstGeom>
-        </p:spPr>
-        <p:txBody>
-          <a:bodyPr wrap="none">
-            <a:spAutoFit/>
-          </a:bodyPr>
-          <a:lstStyle/>
-          <a:p>
-            <a:r>
-              <a:rPr lang="en-US" sz="3200" b="1" dirty="0" smtClean="0"/>
-              <a:t>A Visual Introduction to Machine Learning</a:t>
-            </a:r>
-            <a:endParaRPr lang="en-US" sz="3200" b="1" dirty="0"/>
+              <a:rPr lang="en-US" dirty="0" smtClean="0"/>
+              <a:t>Understand elements of Big Data, how it can be used for scientific, social and business problems.</a:t>
+            </a:r>
+          </a:p>
+          <a:p>
+            <a:r>
+              <a:rPr lang="en-US" dirty="0" smtClean="0"/>
+              <a:t>Basic python: Load, explore, and plot data</a:t>
+            </a:r>
+          </a:p>
+          <a:p>
+            <a:r>
+              <a:rPr lang="en-US" dirty="0" smtClean="0"/>
+              <a:t>APIs what are their purpose?</a:t>
+            </a:r>
+          </a:p>
+          <a:p>
+            <a:r>
+              <a:rPr lang="en-US" dirty="0" smtClean="0"/>
+              <a:t>Basics of Machine Learning</a:t>
+            </a:r>
+          </a:p>
+          <a:p>
+            <a:pPr lvl="1"/>
+            <a:r>
+              <a:rPr lang="en-US" dirty="0" smtClean="0"/>
+              <a:t>What is it? Why is it useful? </a:t>
+            </a:r>
+          </a:p>
+          <a:p>
+            <a:pPr lvl="1"/>
+            <a:r>
+              <a:rPr lang="en-US" dirty="0" smtClean="0"/>
+              <a:t>Data cleaning (Feature extraction), dimension reduction</a:t>
+            </a:r>
+          </a:p>
+          <a:p>
+            <a:pPr lvl="1"/>
+            <a:r>
+              <a:rPr lang="en-US" dirty="0" smtClean="0"/>
+              <a:t>Decision Tree algorithm</a:t>
+            </a:r>
+          </a:p>
+          <a:p>
+            <a:pPr lvl="1"/>
+            <a:endParaRPr lang="en-US" dirty="0" smtClean="0"/>
+          </a:p>
+          <a:p>
+            <a:pPr lvl="1"/>
+            <a:endParaRPr lang="en-US" dirty="0"/>
           </a:p>
         </p:txBody>
       </p:sp>
     </p:spTree>
     <p:extLst>
       <p:ext uri="{BB962C8B-B14F-4D97-AF65-F5344CB8AC3E}">
-        <p14:creationId xmlns:p14="http://schemas.microsoft.com/office/powerpoint/2010/main" val="198247360"/>
+        <p14:creationId xmlns:p14="http://schemas.microsoft.com/office/powerpoint/2010/main" val="777581818"/>
       </p:ext>
     </p:extLst>
   </p:cSld>
@@ -3471,15 +3630,7 @@
           <a:p>
             <a:r>
               <a:rPr lang="en-US" dirty="0" smtClean="0"/>
-              <a:t>Sync </a:t>
-            </a:r>
-            <a:r>
-              <a:rPr lang="en-US" dirty="0" err="1" smtClean="0"/>
-              <a:t>git</a:t>
-            </a:r>
-            <a:r>
-              <a:rPr lang="en-US" dirty="0" smtClean="0"/>
-              <a:t> II</a:t>
+              <a:t>Update your repository</a:t>
             </a:r>
             <a:endParaRPr lang="en-US" dirty="0"/>
           </a:p>
@@ -3511,7 +3662,7 @@
             </a:r>
             <a:r>
               <a:rPr lang="en-US" sz="6600" dirty="0" smtClean="0"/>
-              <a:t> fetch upstream</a:t>
+              <a:t> status</a:t>
             </a:r>
           </a:p>
           <a:p>
@@ -3519,42 +3670,21 @@
               <a:buNone/>
             </a:pPr>
             <a:r>
-              <a:rPr lang="en-US" sz="6600" dirty="0" err="1"/>
-              <a:t>g</a:t>
-            </a:r>
-            <a:r>
               <a:rPr lang="en-US" sz="6600" dirty="0" err="1" smtClean="0"/>
-              <a:t>it</a:t>
+              <a:t>git</a:t>
             </a:r>
             <a:r>
               <a:rPr lang="en-US" sz="6600" dirty="0" smtClean="0"/>
-              <a:t> checkout master</a:t>
-            </a:r>
-          </a:p>
-          <a:p>
-            <a:pPr marL="0" indent="0">
-              <a:buNone/>
-            </a:pPr>
-            <a:r>
-              <a:rPr lang="en-US" sz="5400" dirty="0" err="1"/>
-              <a:t>g</a:t>
-            </a:r>
-            <a:r>
-              <a:rPr lang="en-US" sz="5400" dirty="0" err="1" smtClean="0"/>
-              <a:t>it</a:t>
-            </a:r>
-            <a:r>
-              <a:rPr lang="en-US" sz="5400" dirty="0" smtClean="0"/>
-              <a:t> merge upstream/master</a:t>
-            </a:r>
-            <a:endParaRPr lang="en-US" sz="5400" dirty="0"/>
+              <a:t> pull origin master</a:t>
+            </a:r>
+            <a:endParaRPr lang="en-US" sz="6600" dirty="0"/>
           </a:p>
         </p:txBody>
       </p:sp>
     </p:spTree>
     <p:extLst>
       <p:ext uri="{BB962C8B-B14F-4D97-AF65-F5344CB8AC3E}">
-        <p14:creationId xmlns:p14="http://schemas.microsoft.com/office/powerpoint/2010/main" val="4143222583"/>
+        <p14:creationId xmlns:p14="http://schemas.microsoft.com/office/powerpoint/2010/main" val="3514257470"/>
       </p:ext>
     </p:extLst>
   </p:cSld>
@@ -3605,7 +3735,7 @@
           <a:p>
             <a:r>
               <a:rPr lang="en-US" dirty="0" smtClean="0"/>
-              <a:t>Ultimate goal of this course</a:t>
+              <a:t>Push your changes</a:t>
             </a:r>
             <a:endParaRPr lang="en-US" dirty="0"/>
           </a:p>
@@ -3623,61 +3753,59 @@
         </p:nvSpPr>
         <p:spPr/>
         <p:txBody>
-          <a:bodyPr>
-            <a:normAutofit fontScale="92500"/>
-          </a:bodyPr>
-          <a:lstStyle/>
-          <a:p>
+          <a:bodyPr/>
+          <a:lstStyle/>
+          <a:p>
+            <a:r>
+              <a:rPr lang="en-US" dirty="0" err="1" smtClean="0"/>
+              <a:t>git</a:t>
+            </a:r>
             <a:r>
               <a:rPr lang="en-US" dirty="0" smtClean="0"/>
-              <a:t>Understand elements of Big Data, how it can be used for scientific, social and business problems.</a:t>
-            </a:r>
-          </a:p>
-          <a:p>
+              <a:t> status</a:t>
+            </a:r>
+          </a:p>
+          <a:p>
+            <a:r>
+              <a:rPr lang="en-US" dirty="0" err="1"/>
+              <a:t>g</a:t>
+            </a:r>
+            <a:r>
+              <a:rPr lang="en-US" dirty="0" err="1" smtClean="0"/>
+              <a:t>it</a:t>
+            </a:r>
             <a:r>
               <a:rPr lang="en-US" dirty="0" smtClean="0"/>
-              <a:t>Basic python: Load, explore, and plot data</a:t>
-            </a:r>
-          </a:p>
-          <a:p>
+              <a:t> add *</a:t>
+            </a:r>
+          </a:p>
+          <a:p>
+            <a:r>
+              <a:rPr lang="en-US" dirty="0" err="1"/>
+              <a:t>g</a:t>
+            </a:r>
+            <a:r>
+              <a:rPr lang="en-US" dirty="0" err="1" smtClean="0"/>
+              <a:t>it</a:t>
+            </a:r>
             <a:r>
               <a:rPr lang="en-US" dirty="0" smtClean="0"/>
-              <a:t>APIs why is their purpose?</a:t>
-            </a:r>
-          </a:p>
-          <a:p>
+              <a:t> commit –m ‘adding update’</a:t>
+            </a:r>
+          </a:p>
+          <a:p>
+            <a:r>
+              <a:rPr lang="en-US" dirty="0" err="1"/>
+              <a:t>g</a:t>
+            </a:r>
+            <a:r>
+              <a:rPr lang="en-US" dirty="0" err="1" smtClean="0"/>
+              <a:t>it</a:t>
+            </a:r>
             <a:r>
               <a:rPr lang="en-US" dirty="0" smtClean="0"/>
-              <a:t>Basics of Machine Learning</a:t>
-            </a:r>
-          </a:p>
-          <a:p>
-            <a:pPr lvl="1"/>
-            <a:r>
-              <a:rPr lang="en-US" dirty="0" smtClean="0"/>
-              <a:t>What is it? Why is it useful? </a:t>
-            </a:r>
-          </a:p>
-          <a:p>
-            <a:pPr lvl="1"/>
-            <a:r>
-              <a:rPr lang="en-US" dirty="0" smtClean="0"/>
-              <a:t>Data cleaning (Feature extraction), dimension reduction</a:t>
-            </a:r>
-          </a:p>
-          <a:p>
-            <a:pPr lvl="1"/>
-            <a:r>
-              <a:rPr lang="en-US" dirty="0" smtClean="0"/>
-              <a:t>Decision Tree algorithm</a:t>
-            </a:r>
-          </a:p>
-          <a:p>
-            <a:pPr lvl="1"/>
-            <a:endParaRPr lang="en-US" dirty="0" smtClean="0"/>
-          </a:p>
-          <a:p>
-            <a:pPr lvl="1"/>
+              <a:t> push origin master</a:t>
+            </a:r>
             <a:endParaRPr lang="en-US" dirty="0"/>
           </a:p>
         </p:txBody>
@@ -3685,13 +3813,20 @@
     </p:spTree>
     <p:extLst>
       <p:ext uri="{BB962C8B-B14F-4D97-AF65-F5344CB8AC3E}">
-        <p14:creationId xmlns:p14="http://schemas.microsoft.com/office/powerpoint/2010/main" val="803310447"/>
+        <p14:creationId xmlns:p14="http://schemas.microsoft.com/office/powerpoint/2010/main" val="1179642633"/>
       </p:ext>
     </p:extLst>
   </p:cSld>
   <p:clrMapOvr>
     <a:masterClrMapping/>
   </p:clrMapOvr>
+  <p:timing>
+    <p:tnLst>
+      <p:par>
+        <p:cTn xmlns:p14="http://schemas.microsoft.com/office/powerpoint/2010/main" id="1" dur="indefinite" restart="never" nodeType="tmRoot"/>
+      </p:par>
+    </p:tnLst>
+  </p:timing>
 </p:sld>
 </file>
 
@@ -3724,146 +3859,95 @@
         </p:nvSpPr>
         <p:spPr/>
         <p:txBody>
+          <a:bodyPr/>
+          <a:lstStyle/>
+          <a:p>
+            <a:r>
+              <a:rPr lang="en-US" dirty="0" smtClean="0"/>
+              <a:t>Sync </a:t>
+            </a:r>
+            <a:r>
+              <a:rPr lang="en-US" dirty="0" err="1" smtClean="0"/>
+              <a:t>git</a:t>
+            </a:r>
+            <a:r>
+              <a:rPr lang="en-US" dirty="0" smtClean="0"/>
+              <a:t> II</a:t>
+            </a:r>
+            <a:endParaRPr lang="en-US" dirty="0"/>
+          </a:p>
+        </p:txBody>
+      </p:sp>
+      <p:sp>
+        <p:nvSpPr>
+          <p:cNvPr id="3" name="Content Placeholder 2"/>
+          <p:cNvSpPr>
+            <a:spLocks noGrp="1"/>
+          </p:cNvSpPr>
+          <p:nvPr>
+            <p:ph idx="1"/>
+          </p:nvPr>
+        </p:nvSpPr>
+        <p:spPr/>
+        <p:txBody>
           <a:bodyPr>
             <a:normAutofit/>
           </a:bodyPr>
           <a:lstStyle/>
           <a:p>
-            <a:r>
-              <a:rPr lang="en-US" dirty="0" smtClean="0"/>
-              <a:t>k-means algorithm</a:t>
-            </a:r>
-            <a:endParaRPr lang="en-US" dirty="0"/>
-          </a:p>
-        </p:txBody>
-      </p:sp>
-      <p:sp>
-        <p:nvSpPr>
-          <p:cNvPr id="3" name="Content Placeholder 2"/>
-          <p:cNvSpPr>
-            <a:spLocks noGrp="1"/>
-          </p:cNvSpPr>
-          <p:nvPr>
-            <p:ph idx="1"/>
-          </p:nvPr>
-        </p:nvSpPr>
-        <p:spPr>
-          <a:xfrm>
-            <a:off x="457200" y="1600200"/>
-            <a:ext cx="8229600" cy="4867031"/>
-          </a:xfrm>
-        </p:spPr>
-        <p:txBody>
-          <a:bodyPr>
-            <a:normAutofit fontScale="70000" lnSpcReduction="20000"/>
-          </a:bodyPr>
-          <a:lstStyle/>
-          <a:p>
-            <a:r>
-              <a:rPr lang="en-US" dirty="0" smtClean="0"/>
-              <a:t>Suppose we have a set of </a:t>
-            </a:r>
-            <a:r>
-              <a:rPr lang="en-US" dirty="0" err="1" smtClean="0"/>
-              <a:t>datapoints</a:t>
-            </a:r>
-            <a:r>
-              <a:rPr lang="en-US" dirty="0" smtClean="0"/>
-              <a:t> that we want to cluster. We want to learn two things:</a:t>
-            </a:r>
-          </a:p>
-          <a:p>
-            <a:endParaRPr lang="en-US" dirty="0" smtClean="0"/>
-          </a:p>
-          <a:p>
-            <a:pPr lvl="1"/>
-            <a:r>
-              <a:rPr lang="en-US" dirty="0" smtClean="0"/>
-              <a:t>A description of the clusters themselves (so that if new points come in, we can assign them to a cluster).</a:t>
-            </a:r>
-          </a:p>
-          <a:p>
-            <a:pPr lvl="1"/>
-            <a:r>
-              <a:rPr lang="en-US" dirty="0" smtClean="0"/>
-              <a:t>Which clusters our current points fall into.</a:t>
-            </a:r>
-            <a:br>
-              <a:rPr lang="en-US" dirty="0" smtClean="0"/>
-            </a:br>
-            <a:endParaRPr lang="en-US" dirty="0" smtClean="0"/>
-          </a:p>
-          <a:p>
-            <a:r>
-              <a:rPr lang="en-US" dirty="0" smtClean="0"/>
-              <a:t>We start by initializing k cluster centers (e.g., by randomly choosing k points among our </a:t>
-            </a:r>
-            <a:r>
-              <a:rPr lang="en-US" dirty="0" err="1" smtClean="0"/>
-              <a:t>datapoints</a:t>
-            </a:r>
-            <a:r>
-              <a:rPr lang="en-US" dirty="0" smtClean="0"/>
-              <a:t>). Then we repeatedly</a:t>
-            </a:r>
-          </a:p>
-          <a:p>
-            <a:endParaRPr lang="en-US" dirty="0" smtClean="0"/>
-          </a:p>
-          <a:p>
-            <a:pPr lvl="1"/>
-            <a:r>
-              <a:rPr lang="en-US" dirty="0" smtClean="0"/>
-              <a:t>Step A: Assign each </a:t>
-            </a:r>
-            <a:r>
-              <a:rPr lang="en-US" dirty="0" err="1" smtClean="0"/>
-              <a:t>datapoint</a:t>
-            </a:r>
-            <a:r>
-              <a:rPr lang="en-US" dirty="0" smtClean="0"/>
-              <a:t> to the nearest cluster center.</a:t>
-            </a:r>
-          </a:p>
-          <a:p>
-            <a:pPr lvl="1"/>
-            <a:r>
-              <a:rPr lang="en-US" dirty="0" smtClean="0"/>
-              <a:t>Step B: Update all the cluster centers: for each cluster </a:t>
-            </a:r>
-            <a:r>
-              <a:rPr lang="en-US" dirty="0" err="1" smtClean="0"/>
-              <a:t>i</a:t>
-            </a:r>
-            <a:r>
-              <a:rPr lang="en-US" dirty="0" smtClean="0"/>
-              <a:t>, take the mean over all points currently in the cluster, and update cluster center </a:t>
-            </a:r>
-            <a:r>
-              <a:rPr lang="en-US" dirty="0" err="1" smtClean="0"/>
-              <a:t>i</a:t>
-            </a:r>
-            <a:r>
-              <a:rPr lang="en-US" dirty="0" smtClean="0"/>
-              <a:t> to be this mean.</a:t>
-            </a:r>
-          </a:p>
-          <a:p>
-            <a:pPr lvl="1"/>
-            <a:r>
-              <a:rPr lang="en-US" dirty="0" smtClean="0"/>
-              <a:t>(Repeat steps A and B above until the cluster assignments stop changing.)</a:t>
-            </a:r>
-          </a:p>
-          <a:p>
-            <a:endParaRPr lang="en-US" dirty="0"/>
+            <a:pPr marL="0" indent="0">
+              <a:buNone/>
+            </a:pPr>
+            <a:r>
+              <a:rPr lang="en-US" sz="6600" dirty="0" err="1" smtClean="0"/>
+              <a:t>git</a:t>
+            </a:r>
+            <a:r>
+              <a:rPr lang="en-US" sz="6600" dirty="0" smtClean="0"/>
+              <a:t> fetch upstream</a:t>
+            </a:r>
+          </a:p>
+          <a:p>
+            <a:pPr marL="0" indent="0">
+              <a:buNone/>
+            </a:pPr>
+            <a:r>
+              <a:rPr lang="en-US" sz="6600" dirty="0" err="1"/>
+              <a:t>g</a:t>
+            </a:r>
+            <a:r>
+              <a:rPr lang="en-US" sz="6600" dirty="0" err="1" smtClean="0"/>
+              <a:t>it</a:t>
+            </a:r>
+            <a:r>
+              <a:rPr lang="en-US" sz="6600" dirty="0" smtClean="0"/>
+              <a:t> checkout master</a:t>
+            </a:r>
+          </a:p>
+          <a:p>
+            <a:pPr marL="0" indent="0">
+              <a:buNone/>
+            </a:pPr>
+            <a:r>
+              <a:rPr lang="en-US" sz="5400" dirty="0" err="1"/>
+              <a:t>g</a:t>
+            </a:r>
+            <a:r>
+              <a:rPr lang="en-US" sz="5400" dirty="0" err="1" smtClean="0"/>
+              <a:t>it</a:t>
+            </a:r>
+            <a:r>
+              <a:rPr lang="en-US" sz="5400" dirty="0" smtClean="0"/>
+              <a:t> merge upstream/master</a:t>
+            </a:r>
+            <a:endParaRPr lang="en-US" sz="5400" dirty="0"/>
           </a:p>
         </p:txBody>
       </p:sp>
     </p:spTree>
     <p:extLst>
       <p:ext uri="{BB962C8B-B14F-4D97-AF65-F5344CB8AC3E}">
-        <p14:creationId xmlns:p14="http://schemas.microsoft.com/office/powerpoint/2010/main" val="915921110"/>
+        <p14:creationId xmlns:p14="http://schemas.microsoft.com/office/powerpoint/2010/main" val="4143222583"/>
       </p:ext>
     </p:extLst>
   </p:cSld>
@@ -3907,98 +3991,371 @@
             <p:ph type="title"/>
           </p:nvPr>
         </p:nvSpPr>
-        <p:spPr/>
+        <p:spPr>
+          <a:xfrm>
+            <a:off x="457200" y="3260906"/>
+            <a:ext cx="8229600" cy="1143000"/>
+          </a:xfrm>
+        </p:spPr>
+        <p:txBody>
+          <a:bodyPr>
+            <a:noAutofit/>
+          </a:bodyPr>
+          <a:lstStyle/>
+          <a:p>
+            <a:r>
+              <a:rPr lang="en-US" sz="3200" dirty="0" smtClean="0"/>
+              <a:t/>
+            </a:r>
+            <a:br>
+              <a:rPr lang="en-US" sz="3200" dirty="0" smtClean="0"/>
+            </a:br>
+            <a:r>
+              <a:rPr lang="en-US" sz="3200" dirty="0" smtClean="0"/>
+              <a:t/>
+            </a:r>
+            <a:br>
+              <a:rPr lang="en-US" sz="3200" dirty="0" smtClean="0"/>
+            </a:br>
+            <a:r>
+              <a:rPr lang="en-US" sz="3200" dirty="0" smtClean="0"/>
+              <a:t>http://www.r2d3.us/visual-intro-to-machine-learning-part-1/</a:t>
+            </a:r>
+            <a:endParaRPr lang="en-US" sz="3200" dirty="0"/>
+          </a:p>
+        </p:txBody>
+      </p:sp>
+      <p:sp>
+        <p:nvSpPr>
+          <p:cNvPr id="4" name="Rectangle 3"/>
+          <p:cNvSpPr/>
+          <p:nvPr/>
+        </p:nvSpPr>
+        <p:spPr>
+          <a:xfrm>
+            <a:off x="968640" y="2197893"/>
+            <a:ext cx="7367522" cy="584776"/>
+          </a:xfrm>
+          <a:prstGeom prst="rect">
+            <a:avLst/>
+          </a:prstGeom>
+        </p:spPr>
+        <p:txBody>
+          <a:bodyPr wrap="none">
+            <a:spAutoFit/>
+          </a:bodyPr>
+          <a:lstStyle/>
+          <a:p>
+            <a:r>
+              <a:rPr lang="en-US" sz="3200" b="1" dirty="0" smtClean="0"/>
+              <a:t>A Visual Introduction to Machine Learning</a:t>
+            </a:r>
+            <a:endParaRPr lang="en-US" sz="3200" b="1" dirty="0"/>
+          </a:p>
+        </p:txBody>
+      </p:sp>
+    </p:spTree>
+    <p:extLst>
+      <p:ext uri="{BB962C8B-B14F-4D97-AF65-F5344CB8AC3E}">
+        <p14:creationId xmlns:p14="http://schemas.microsoft.com/office/powerpoint/2010/main" val="245371196"/>
+      </p:ext>
+    </p:extLst>
+  </p:cSld>
+  <p:clrMapOvr>
+    <a:masterClrMapping/>
+  </p:clrMapOvr>
+  <p:timing>
+    <p:tnLst>
+      <p:par>
+        <p:cTn xmlns:p14="http://schemas.microsoft.com/office/powerpoint/2010/main" id="1" dur="indefinite" restart="never" nodeType="tmRoot"/>
+      </p:par>
+    </p:tnLst>
+  </p:timing>
+</p:sld>
+</file>
+
+<file path=ppt/slides/slide8.xml><?xml version="1.0" encoding="utf-8"?>
+<p:sld xmlns:a="http://schemas.openxmlformats.org/drawingml/2006/main" xmlns:r="http://schemas.openxmlformats.org/officeDocument/2006/relationships" xmlns:p="http://schemas.openxmlformats.org/presentationml/2006/main">
+  <p:cSld>
+    <p:spTree>
+      <p:nvGrpSpPr>
+        <p:cNvPr id="1" name=""/>
+        <p:cNvGrpSpPr/>
+        <p:nvPr/>
+      </p:nvGrpSpPr>
+      <p:grpSpPr>
+        <a:xfrm>
+          <a:off x="0" y="0"/>
+          <a:ext cx="0" cy="0"/>
+          <a:chOff x="0" y="0"/>
+          <a:chExt cx="0" cy="0"/>
+        </a:xfrm>
+      </p:grpSpPr>
+      <p:sp>
+        <p:nvSpPr>
+          <p:cNvPr id="2" name="Title 1"/>
+          <p:cNvSpPr>
+            <a:spLocks noGrp="1"/>
+          </p:cNvSpPr>
+          <p:nvPr>
+            <p:ph type="title"/>
+          </p:nvPr>
+        </p:nvSpPr>
+        <p:spPr>
+          <a:xfrm>
+            <a:off x="457200" y="1768698"/>
+            <a:ext cx="8229600" cy="1143000"/>
+          </a:xfrm>
+        </p:spPr>
+        <p:txBody>
+          <a:bodyPr/>
+          <a:lstStyle/>
+          <a:p>
+            <a:r>
+              <a:rPr lang="en-US" dirty="0" smtClean="0"/>
+              <a:t>Introduction to K-Means</a:t>
+            </a:r>
+            <a:endParaRPr lang="en-US" dirty="0"/>
+          </a:p>
+        </p:txBody>
+      </p:sp>
+      <p:sp>
+        <p:nvSpPr>
+          <p:cNvPr id="3" name="Content Placeholder 2"/>
+          <p:cNvSpPr>
+            <a:spLocks noGrp="1"/>
+          </p:cNvSpPr>
+          <p:nvPr>
+            <p:ph idx="1"/>
+          </p:nvPr>
+        </p:nvSpPr>
+        <p:spPr>
+          <a:xfrm>
+            <a:off x="457200" y="3435760"/>
+            <a:ext cx="8229600" cy="704920"/>
+          </a:xfrm>
+        </p:spPr>
         <p:txBody>
           <a:bodyPr>
             <a:normAutofit/>
           </a:bodyPr>
           <a:lstStyle/>
           <a:p>
-            <a:r>
-              <a:rPr lang="en-US" dirty="0" smtClean="0"/>
-              <a:t>k-means from an EM point of View</a:t>
-            </a:r>
-            <a:endParaRPr lang="en-US" dirty="0"/>
-          </a:p>
-        </p:txBody>
-      </p:sp>
-      <p:sp>
-        <p:nvSpPr>
-          <p:cNvPr id="3" name="Content Placeholder 2"/>
-          <p:cNvSpPr>
-            <a:spLocks noGrp="1"/>
-          </p:cNvSpPr>
-          <p:nvPr>
-            <p:ph idx="1"/>
-          </p:nvPr>
-        </p:nvSpPr>
-        <p:spPr/>
-        <p:txBody>
-          <a:bodyPr>
-            <a:normAutofit fontScale="62500" lnSpcReduction="20000"/>
-          </a:bodyPr>
-          <a:lstStyle/>
-          <a:p>
-            <a:r>
-              <a:rPr lang="en-US" dirty="0" smtClean="0"/>
-              <a:t>Note that if we knew for certain either 1) the exact cluster centers or 2) the cluster each point belonged to, we could trivially solve k-means, since</a:t>
-            </a:r>
-          </a:p>
-          <a:p>
-            <a:endParaRPr lang="en-US" dirty="0" smtClean="0"/>
-          </a:p>
-          <a:p>
-            <a:pPr lvl="1"/>
-            <a:r>
-              <a:rPr lang="en-US" dirty="0" smtClean="0"/>
-              <a:t>If we knew the exact cluster centers, all we’d have to do is assign each point to its nearest cluster center, and we’d be done.</a:t>
-            </a:r>
-          </a:p>
-          <a:p>
-            <a:pPr lvl="1"/>
-            <a:r>
-              <a:rPr lang="en-US" dirty="0" smtClean="0"/>
-              <a:t>If we knew which cluster each point belonged to, we could pick the cluster center by simply taking the mean over all points in that cluster.</a:t>
-            </a:r>
-          </a:p>
-          <a:p>
-            <a:r>
-              <a:rPr lang="en-US" dirty="0" smtClean="0"/>
-              <a:t>The problem is that we know neither of these, and so we alternate between making educated guesses of each one:</a:t>
-            </a:r>
-          </a:p>
-          <a:p>
-            <a:endParaRPr lang="en-US" dirty="0" smtClean="0"/>
-          </a:p>
-          <a:p>
-            <a:pPr lvl="1"/>
-            <a:r>
-              <a:rPr lang="en-US" dirty="0" smtClean="0"/>
-              <a:t>In A step above, we pretend that we know the cluster centers, and based off this pretense, we guess which cluster each point belongs to. (This is also known as the E step in the EM algorithm.)</a:t>
-            </a:r>
-          </a:p>
-          <a:p>
-            <a:pPr lvl="1"/>
-            <a:r>
-              <a:rPr lang="en-US" dirty="0" smtClean="0"/>
-              <a:t>In the B step above, we do the reverse: we pretend that we know which cluster each point belongs to, and then try to guess the cluster centers. (This is also known as the M step in EM.)</a:t>
-            </a:r>
-          </a:p>
-          <a:p>
-            <a:r>
-              <a:rPr lang="en-US" dirty="0" smtClean="0"/>
-              <a:t>Our guesses keep getting better and better, and eventually we’ll converge.</a:t>
-            </a:r>
-          </a:p>
-          <a:p>
-            <a:endParaRPr lang="en-US" dirty="0"/>
+            <a:pPr marL="0" indent="0" algn="ctr">
+              <a:buNone/>
+            </a:pPr>
+            <a:r>
+              <a:rPr lang="en-US" sz="2400" dirty="0"/>
+              <a:t>http://</a:t>
+            </a:r>
+            <a:r>
+              <a:rPr lang="en-US" sz="2400" dirty="0" err="1"/>
+              <a:t>www.onmyphd.com</a:t>
+            </a:r>
+            <a:r>
+              <a:rPr lang="en-US" sz="2400" dirty="0"/>
+              <a:t>/?p=</a:t>
+            </a:r>
+            <a:r>
+              <a:rPr lang="en-US" sz="2400" dirty="0" err="1"/>
+              <a:t>k-means.clustering&amp;ckattempt</a:t>
+            </a:r>
+            <a:r>
+              <a:rPr lang="en-US" sz="2400" dirty="0"/>
+              <a:t>=2</a:t>
+            </a:r>
           </a:p>
         </p:txBody>
       </p:sp>
     </p:spTree>
     <p:extLst>
       <p:ext uri="{BB962C8B-B14F-4D97-AF65-F5344CB8AC3E}">
-        <p14:creationId xmlns:p14="http://schemas.microsoft.com/office/powerpoint/2010/main" val="1969983848"/>
+        <p14:creationId xmlns:p14="http://schemas.microsoft.com/office/powerpoint/2010/main" val="2120482917"/>
+      </p:ext>
+    </p:extLst>
+  </p:cSld>
+  <p:clrMapOvr>
+    <a:masterClrMapping/>
+  </p:clrMapOvr>
+  <p:timing>
+    <p:tnLst>
+      <p:par>
+        <p:cTn xmlns:p14="http://schemas.microsoft.com/office/powerpoint/2010/main" id="1" dur="indefinite" restart="never" nodeType="tmRoot"/>
+      </p:par>
+    </p:tnLst>
+  </p:timing>
+</p:sld>
+</file>
+
+<file path=ppt/slides/slide9.xml><?xml version="1.0" encoding="utf-8"?>
+<p:sld xmlns:a="http://schemas.openxmlformats.org/drawingml/2006/main" xmlns:r="http://schemas.openxmlformats.org/officeDocument/2006/relationships" xmlns:p="http://schemas.openxmlformats.org/presentationml/2006/main">
+  <p:cSld>
+    <p:spTree>
+      <p:nvGrpSpPr>
+        <p:cNvPr id="1" name=""/>
+        <p:cNvGrpSpPr/>
+        <p:nvPr/>
+      </p:nvGrpSpPr>
+      <p:grpSpPr>
+        <a:xfrm>
+          <a:off x="0" y="0"/>
+          <a:ext cx="0" cy="0"/>
+          <a:chOff x="0" y="0"/>
+          <a:chExt cx="0" cy="0"/>
+        </a:xfrm>
+      </p:grpSpPr>
+      <p:sp>
+        <p:nvSpPr>
+          <p:cNvPr id="2" name="Title 1"/>
+          <p:cNvSpPr>
+            <a:spLocks noGrp="1"/>
+          </p:cNvSpPr>
+          <p:nvPr>
+            <p:ph type="title"/>
+          </p:nvPr>
+        </p:nvSpPr>
+        <p:spPr/>
+        <p:txBody>
+          <a:bodyPr>
+            <a:normAutofit/>
+          </a:bodyPr>
+          <a:lstStyle/>
+          <a:p>
+            <a:r>
+              <a:rPr lang="en-US" dirty="0" smtClean="0"/>
+              <a:t>k-means algorithm</a:t>
+            </a:r>
+            <a:endParaRPr lang="en-US" dirty="0"/>
+          </a:p>
+        </p:txBody>
+      </p:sp>
+      <p:sp>
+        <p:nvSpPr>
+          <p:cNvPr id="3" name="Content Placeholder 2"/>
+          <p:cNvSpPr>
+            <a:spLocks noGrp="1"/>
+          </p:cNvSpPr>
+          <p:nvPr>
+            <p:ph idx="1"/>
+          </p:nvPr>
+        </p:nvSpPr>
+        <p:spPr>
+          <a:xfrm>
+            <a:off x="457200" y="1600200"/>
+            <a:ext cx="8229600" cy="4867031"/>
+          </a:xfrm>
+        </p:spPr>
+        <p:txBody>
+          <a:bodyPr>
+            <a:normAutofit fontScale="70000" lnSpcReduction="20000"/>
+          </a:bodyPr>
+          <a:lstStyle/>
+          <a:p>
+            <a:r>
+              <a:rPr lang="en-US" dirty="0" smtClean="0"/>
+              <a:t>Suppose we have a set of </a:t>
+            </a:r>
+            <a:r>
+              <a:rPr lang="en-US" dirty="0" err="1" smtClean="0"/>
+              <a:t>datapoints</a:t>
+            </a:r>
+            <a:r>
+              <a:rPr lang="en-US" dirty="0" smtClean="0"/>
+              <a:t> that we want to cluster. We want to learn two things:</a:t>
+            </a:r>
+          </a:p>
+          <a:p>
+            <a:endParaRPr lang="en-US" dirty="0" smtClean="0"/>
+          </a:p>
+          <a:p>
+            <a:pPr lvl="1"/>
+            <a:r>
+              <a:rPr lang="en-US" dirty="0" smtClean="0"/>
+              <a:t>A description of the clusters themselves (so that if new points come in, we can assign them to a cluster).</a:t>
+            </a:r>
+          </a:p>
+          <a:p>
+            <a:pPr lvl="1"/>
+            <a:r>
+              <a:rPr lang="en-US" dirty="0" smtClean="0"/>
+              <a:t>Which clusters our current points fall into.</a:t>
+            </a:r>
+            <a:br>
+              <a:rPr lang="en-US" dirty="0" smtClean="0"/>
+            </a:br>
+            <a:endParaRPr lang="en-US" dirty="0" smtClean="0"/>
+          </a:p>
+          <a:p>
+            <a:r>
+              <a:rPr lang="en-US" dirty="0" smtClean="0"/>
+              <a:t>We start by initializing k cluster centers (e.g., by randomly choosing k points among our </a:t>
+            </a:r>
+            <a:r>
+              <a:rPr lang="en-US" dirty="0" err="1" smtClean="0"/>
+              <a:t>datapoints</a:t>
+            </a:r>
+            <a:r>
+              <a:rPr lang="en-US" dirty="0" smtClean="0"/>
+              <a:t>). Then we repeatedly</a:t>
+            </a:r>
+          </a:p>
+          <a:p>
+            <a:endParaRPr lang="en-US" dirty="0" smtClean="0"/>
+          </a:p>
+          <a:p>
+            <a:pPr lvl="1"/>
+            <a:r>
+              <a:rPr lang="en-US" dirty="0" smtClean="0"/>
+              <a:t>Step A: Assign each </a:t>
+            </a:r>
+            <a:r>
+              <a:rPr lang="en-US" dirty="0" err="1" smtClean="0"/>
+              <a:t>datapoint</a:t>
+            </a:r>
+            <a:r>
+              <a:rPr lang="en-US" dirty="0" smtClean="0"/>
+              <a:t> to the nearest cluster center.</a:t>
+            </a:r>
+          </a:p>
+          <a:p>
+            <a:pPr lvl="1"/>
+            <a:r>
+              <a:rPr lang="en-US" dirty="0" smtClean="0"/>
+              <a:t>Step B: Update all the cluster centers: for each cluster </a:t>
+            </a:r>
+            <a:r>
+              <a:rPr lang="en-US" dirty="0" err="1" smtClean="0"/>
+              <a:t>i</a:t>
+            </a:r>
+            <a:r>
+              <a:rPr lang="en-US" dirty="0" smtClean="0"/>
+              <a:t>, take the mean over all points currently in the cluster, and update cluster center </a:t>
+            </a:r>
+            <a:r>
+              <a:rPr lang="en-US" dirty="0" err="1" smtClean="0"/>
+              <a:t>i</a:t>
+            </a:r>
+            <a:r>
+              <a:rPr lang="en-US" dirty="0" smtClean="0"/>
+              <a:t> to be this mean.</a:t>
+            </a:r>
+          </a:p>
+          <a:p>
+            <a:pPr lvl="1"/>
+            <a:r>
+              <a:rPr lang="en-US" dirty="0" smtClean="0"/>
+              <a:t>(Repeat steps A and B above until the cluster assignments stop changing.)</a:t>
+            </a:r>
+          </a:p>
+          <a:p>
+            <a:endParaRPr lang="en-US" dirty="0"/>
+          </a:p>
+        </p:txBody>
+      </p:sp>
+    </p:spTree>
+    <p:extLst>
+      <p:ext uri="{BB962C8B-B14F-4D97-AF65-F5344CB8AC3E}">
+        <p14:creationId xmlns:p14="http://schemas.microsoft.com/office/powerpoint/2010/main" val="3309945985"/>
       </p:ext>
     </p:extLst>
   </p:cSld>
